--- a/docs/sharing/images/resource/UIDTransferSlide.pptx
+++ b/docs/sharing/images/resource/UIDTransferSlide.pptx
@@ -249,7 +249,7 @@
           <a:p>
             <a:fld id="{24932F64-84D1-E947-8EA1-C0B1548BB500}" type="datetimeFigureOut">
               <a:rPr lang="en-US" smtClean="0"/>
-              <a:t>6/27/2023</a:t>
+              <a:t>7/11/2023</a:t>
             </a:fld>
             <a:endParaRPr lang="en-US"/>
           </a:p>
@@ -961,7 +961,7 @@
           <a:p>
             <a:fld id="{6FF991EF-F1B7-5C41-976D-8729AF30A274}" type="datetimeFigureOut">
               <a:rPr lang="en-US" smtClean="0"/>
-              <a:t>6/27/2023</a:t>
+              <a:t>7/11/2023</a:t>
             </a:fld>
             <a:endParaRPr lang="en-US"/>
           </a:p>
@@ -1159,7 +1159,7 @@
           <a:p>
             <a:fld id="{6FF991EF-F1B7-5C41-976D-8729AF30A274}" type="datetimeFigureOut">
               <a:rPr lang="en-US" smtClean="0"/>
-              <a:t>6/27/2023</a:t>
+              <a:t>7/11/2023</a:t>
             </a:fld>
             <a:endParaRPr lang="en-US"/>
           </a:p>
@@ -1367,7 +1367,7 @@
           <a:p>
             <a:fld id="{6FF991EF-F1B7-5C41-976D-8729AF30A274}" type="datetimeFigureOut">
               <a:rPr lang="en-US" smtClean="0"/>
-              <a:t>6/27/2023</a:t>
+              <a:t>7/11/2023</a:t>
             </a:fld>
             <a:endParaRPr lang="en-US"/>
           </a:p>
@@ -2816,7 +2816,7 @@
           <a:p>
             <a:fld id="{6FF991EF-F1B7-5C41-976D-8729AF30A274}" type="datetimeFigureOut">
               <a:rPr lang="en-US" smtClean="0"/>
-              <a:t>6/27/2023</a:t>
+              <a:t>7/11/2023</a:t>
             </a:fld>
             <a:endParaRPr lang="en-US"/>
           </a:p>
@@ -4794,7 +4794,7 @@
           <a:p>
             <a:fld id="{6FF991EF-F1B7-5C41-976D-8729AF30A274}" type="datetimeFigureOut">
               <a:rPr lang="en-US" smtClean="0"/>
-              <a:t>6/27/2023</a:t>
+              <a:t>7/11/2023</a:t>
             </a:fld>
             <a:endParaRPr lang="en-US"/>
           </a:p>
@@ -7044,7 +7044,7 @@
           <a:p>
             <a:fld id="{6FF991EF-F1B7-5C41-976D-8729AF30A274}" type="datetimeFigureOut">
               <a:rPr lang="en-US" smtClean="0"/>
-              <a:t>6/27/2023</a:t>
+              <a:t>7/11/2023</a:t>
             </a:fld>
             <a:endParaRPr lang="en-US"/>
           </a:p>
@@ -9601,7 +9601,7 @@
           <a:p>
             <a:fld id="{6FF991EF-F1B7-5C41-976D-8729AF30A274}" type="datetimeFigureOut">
               <a:rPr lang="en-US" smtClean="0"/>
-              <a:t>6/27/2023</a:t>
+              <a:t>7/11/2023</a:t>
             </a:fld>
             <a:endParaRPr lang="en-US"/>
           </a:p>
@@ -10794,7 +10794,7 @@
           <a:p>
             <a:fld id="{6FF991EF-F1B7-5C41-976D-8729AF30A274}" type="datetimeFigureOut">
               <a:rPr lang="en-US" smtClean="0"/>
-              <a:t>6/27/2023</a:t>
+              <a:t>7/11/2023</a:t>
             </a:fld>
             <a:endParaRPr lang="en-US"/>
           </a:p>
@@ -14246,7 +14246,7 @@
           <a:p>
             <a:fld id="{6FF991EF-F1B7-5C41-976D-8729AF30A274}" type="datetimeFigureOut">
               <a:rPr lang="en-US" smtClean="0"/>
-              <a:t>6/27/2023</a:t>
+              <a:t>7/11/2023</a:t>
             </a:fld>
             <a:endParaRPr lang="en-US"/>
           </a:p>
@@ -26269,7 +26269,7 @@
           <a:p>
             <a:fld id="{6FF991EF-F1B7-5C41-976D-8729AF30A274}" type="datetimeFigureOut">
               <a:rPr lang="en-US" smtClean="0"/>
-              <a:t>6/27/2023</a:t>
+              <a:t>7/11/2023</a:t>
             </a:fld>
             <a:endParaRPr lang="en-US"/>
           </a:p>
@@ -28836,7 +28836,7 @@
           <a:p>
             <a:fld id="{6FF991EF-F1B7-5C41-976D-8729AF30A274}" type="datetimeFigureOut">
               <a:rPr lang="en-US" smtClean="0"/>
-              <a:t>6/27/2023</a:t>
+              <a:t>7/11/2023</a:t>
             </a:fld>
             <a:endParaRPr lang="en-US"/>
           </a:p>
@@ -29077,7 +29077,7 @@
           <a:p>
             <a:fld id="{6FF991EF-F1B7-5C41-976D-8729AF30A274}" type="datetimeFigureOut">
               <a:rPr lang="en-US" smtClean="0"/>
-              <a:t>6/27/2023</a:t>
+              <a:t>7/11/2023</a:t>
             </a:fld>
             <a:endParaRPr lang="en-US"/>
           </a:p>
@@ -30244,9 +30244,10 @@
             <a:p>
               <a:pPr algn="ctr"/>
               <a:r>
-                <a:rPr lang="en-US" dirty="0"/>
-                <a:t>Bid Stream</a:t>
+                <a:rPr lang="en-US"/>
+                <a:t>Snowflake</a:t>
               </a:r>
+              <a:endParaRPr lang="en-US" dirty="0"/>
             </a:p>
           </p:txBody>
         </p:sp>
